--- a/presentation/3-Ensemblelearning-Bagging.pptx
+++ b/presentation/3-Ensemblelearning-Bagging.pptx
@@ -4731,10 +4731,9 @@
           </a:p>
           <a:p>
             <a:r>
-              <a:rPr lang="en-IN"/>
+              <a:rPr lang="en-IN" dirty="0"/>
               <a:t>https://www.geeksforgeeks.org/machine-learning/random-forest-algorithm-in-machine-learning/ </a:t>
             </a:r>
-            <a:endParaRPr lang="en-IN" dirty="0"/>
           </a:p>
         </p:txBody>
       </p:sp>
